--- a/docu/schematic/Robo_Trigonometry.pptx
+++ b/docu/schematic/Robo_Trigonometry.pptx
@@ -3836,7 +3836,7 @@
           <p:nvPr/>
         </p:nvSpPr>
         <p:spPr bwMode="auto">
-          <a:xfrm rot="20172904" flipH="0" flipV="0">
+          <a:xfrm rot="20172903" flipH="0" flipV="0">
             <a:off x="5395321" y="3576895"/>
             <a:ext cx="312391" cy="754455"/>
           </a:xfrm>
@@ -3868,7 +3868,7 @@
           <p:nvPr/>
         </p:nvSpPr>
         <p:spPr bwMode="auto">
-          <a:xfrm rot="20172904" flipH="0" flipV="0">
+          <a:xfrm rot="20172903" flipH="0" flipV="0">
             <a:off x="3845920" y="4245462"/>
             <a:ext cx="312390" cy="754454"/>
           </a:xfrm>
@@ -4064,7 +4064,7 @@
           <p:nvPr/>
         </p:nvSpPr>
         <p:spPr bwMode="auto">
-          <a:xfrm rot="3908271" flipH="0" flipV="0">
+          <a:xfrm rot="3908270" flipH="0" flipV="0">
             <a:off x="4680613" y="3202895"/>
             <a:ext cx="1414674" cy="274679"/>
           </a:xfrm>
@@ -4099,8 +4099,8 @@
         </p:nvCxnSpPr>
         <p:spPr bwMode="auto">
           <a:xfrm flipH="0" flipV="0">
-            <a:off x="6361325" y="1466849"/>
-            <a:ext cx="857250" cy="1927224"/>
+            <a:off x="6361324" y="1466848"/>
+            <a:ext cx="1390053" cy="3155839"/>
           </a:xfrm>
           <a:prstGeom prst="line">
             <a:avLst/>
@@ -4285,8 +4285,8 @@
           <p:nvPr/>
         </p:nvSpPr>
         <p:spPr bwMode="auto">
-          <a:xfrm rot="3834600" flipH="0" flipV="0">
-            <a:off x="5755891" y="126901"/>
+          <a:xfrm rot="3834599" flipH="0" flipV="0">
+            <a:off x="5755890" y="126901"/>
             <a:ext cx="314325" cy="2686243"/>
           </a:xfrm>
           <a:prstGeom prst="leftBrace">
@@ -4361,8 +4361,8 @@
           <p:nvPr/>
         </p:nvSpPr>
         <p:spPr bwMode="auto">
-          <a:xfrm rot="10799990" flipH="0" flipV="0">
-            <a:off x="6845513" y="626008"/>
+          <a:xfrm rot="10799989" flipH="0" flipV="0">
+            <a:off x="6845513" y="626007"/>
             <a:ext cx="746124" cy="714375"/>
           </a:xfrm>
           <a:prstGeom prst="arc">
@@ -4432,7 +4432,7 @@
           <p:nvPr/>
         </p:nvSpPr>
         <p:spPr bwMode="auto">
-          <a:xfrm rot="10799990" flipH="0" flipV="0">
+          <a:xfrm rot="10799989" flipH="0" flipV="0">
             <a:off x="6845153" y="2976033"/>
             <a:ext cx="746123" cy="714375"/>
           </a:xfrm>
@@ -4588,7 +4588,7 @@
           <p:nvPr/>
         </p:nvSpPr>
         <p:spPr bwMode="auto">
-          <a:xfrm rot="12183443" flipH="0" flipV="0">
+          <a:xfrm rot="12183442" flipH="0" flipV="0">
             <a:off x="7073964" y="4049166"/>
             <a:ext cx="60324" cy="60324"/>
           </a:xfrm>
@@ -5040,7 +5040,7 @@
         </p:nvCxnSpPr>
         <p:spPr bwMode="auto">
           <a:xfrm flipH="0" flipV="0">
-            <a:off x="6326698" y="4366788"/>
+            <a:off x="6326697" y="4366788"/>
             <a:ext cx="908704" cy="485775"/>
           </a:xfrm>
           <a:prstGeom prst="line">
@@ -5160,7 +5160,7 @@
           <p:nvPr/>
         </p:nvSpPr>
         <p:spPr bwMode="auto">
-          <a:xfrm rot="7161032" flipH="0" flipV="0">
+          <a:xfrm rot="7161031" flipH="0" flipV="0">
             <a:off x="4659615" y="2644316"/>
             <a:ext cx="1415034" cy="274679"/>
           </a:xfrm>
@@ -5317,7 +5317,7 @@
           <p:nvPr/>
         </p:nvSpPr>
         <p:spPr bwMode="auto">
-          <a:xfrm rot="1552245" flipH="0" flipV="0">
+          <a:xfrm rot="1552244" flipH="0" flipV="0">
             <a:off x="6119641" y="2074357"/>
             <a:ext cx="768644" cy="274679"/>
           </a:xfrm>
@@ -5349,7 +5349,7 @@
           <p:nvPr/>
         </p:nvSpPr>
         <p:spPr bwMode="auto">
-          <a:xfrm rot="1732486" flipH="0" flipV="0">
+          <a:xfrm rot="1732485" flipH="0" flipV="0">
             <a:off x="5124052" y="4578657"/>
             <a:ext cx="1418632" cy="274679"/>
           </a:xfrm>
@@ -5425,7 +5425,7 @@
           <p:nvPr/>
         </p:nvSpPr>
         <p:spPr bwMode="auto">
-          <a:xfrm rot="1721073" flipH="0" flipV="0">
+          <a:xfrm rot="1721072" flipH="0" flipV="0">
             <a:off x="6550471" y="4358087"/>
             <a:ext cx="509103" cy="274679"/>
           </a:xfrm>
@@ -5457,7 +5457,7 @@
           <p:nvPr/>
         </p:nvSpPr>
         <p:spPr bwMode="auto">
-          <a:xfrm rot="18372350" flipH="0" flipV="0">
+          <a:xfrm rot="18372349" flipH="0" flipV="0">
             <a:off x="6829508" y="4522017"/>
             <a:ext cx="746123" cy="714375"/>
           </a:xfrm>
@@ -5613,7 +5613,7 @@
           <p:nvPr/>
         </p:nvSpPr>
         <p:spPr bwMode="auto">
-          <a:xfrm rot="12183443" flipH="0" flipV="0">
+          <a:xfrm rot="12183442" flipH="0" flipV="0">
             <a:off x="7088616" y="3348655"/>
             <a:ext cx="60324" cy="60324"/>
           </a:xfrm>
@@ -5656,8 +5656,8 @@
         </p:nvSpPr>
         <p:spPr bwMode="auto">
           <a:xfrm flipH="0" flipV="0">
-            <a:off x="7805470" y="924485"/>
-            <a:ext cx="3066785" cy="1693555"/>
+            <a:off x="7805469" y="924484"/>
+            <a:ext cx="3068224" cy="1693555"/>
           </a:xfrm>
           <a:prstGeom prst="rect">
             <a:avLst/>
@@ -5690,7 +5690,21 @@
                           <a:ea typeface="Cambria Math"/>
                           <a:cs typeface="Cambria Math"/>
                         </a:rPr>
-                        <m:t>diff = dist2-dist1</m:t>
+                        <m:t>diff = dist1</m:t>
+                      </m:r>
+                      <m:r>
+                        <m:rPr>
+                          <m:sty m:val="p"/>
+                        </m:rPr>
+                        <a:rPr lang="en-US" sz="1800" u="none" strike="noStrike" cap="none" spc="0">
+                          <a:solidFill>
+                            <a:schemeClr val="tx1"/>
+                          </a:solidFill>
+                          <a:latin typeface="Cambria Math"/>
+                          <a:ea typeface="Cambria Math"/>
+                          <a:cs typeface="Cambria Math"/>
+                        </a:rPr>
+                        <m:t>-dist2</m:t>
                       </m:r>
                     </m:oMath>
                   </m:oMathPara>
